--- a/Chad_Iman-Final_Project2.pptx
+++ b/Chad_Iman-Final_Project2.pptx
@@ -11,12 +11,13 @@
     <p:sldId id="261" r:id="rId5"/>
     <p:sldId id="262" r:id="rId6"/>
     <p:sldId id="263" r:id="rId7"/>
-    <p:sldId id="266" r:id="rId8"/>
-    <p:sldId id="269" r:id="rId9"/>
-    <p:sldId id="264" r:id="rId10"/>
-    <p:sldId id="265" r:id="rId11"/>
-    <p:sldId id="267" r:id="rId12"/>
-    <p:sldId id="268" r:id="rId13"/>
+    <p:sldId id="270" r:id="rId8"/>
+    <p:sldId id="266" r:id="rId9"/>
+    <p:sldId id="269" r:id="rId10"/>
+    <p:sldId id="264" r:id="rId11"/>
+    <p:sldId id="265" r:id="rId12"/>
+    <p:sldId id="267" r:id="rId13"/>
+    <p:sldId id="268" r:id="rId14"/>
   </p:sldIdLst>
   <p:sldSz cx="12192000" cy="6858000"/>
   <p:notesSz cx="6858000" cy="9144000"/>
@@ -4007,20 +4008,68 @@
           <a:p>
             <a:r>
               <a:rPr lang="en-US" dirty="0"/>
-              <a:t>PREDICTIONS</a:t>
-            </a:r>
+              <a:t>MODEL COEFFICIENTS</a:t>
+            </a:r>
+          </a:p>
+        </p:txBody>
+      </p:sp>
+      <p:sp>
+        <p:nvSpPr>
+          <p:cNvPr id="5" name="TextBox 4"/>
+          <p:cNvSpPr txBox="1"/>
+          <p:nvPr/>
+        </p:nvSpPr>
+        <p:spPr>
+          <a:xfrm>
+            <a:off x="1496230" y="4714875"/>
+            <a:ext cx="9476570" cy="1200329"/>
+          </a:xfrm>
+          <a:prstGeom prst="rect">
+            <a:avLst/>
+          </a:prstGeom>
+          <a:noFill/>
+        </p:spPr>
+        <p:txBody>
+          <a:bodyPr wrap="square" rtlCol="0">
+            <a:spAutoFit/>
+          </a:bodyPr>
+          <a:lstStyle/>
+          <a:p>
+            <a:pPr marL="285750" indent="-285750">
+              <a:buFont typeface="Arial" panose="020B0604020202020204" pitchFamily="34" charset="0"/>
+              <a:buChar char="•"/>
+            </a:pPr>
+            <a:r>
+              <a:rPr lang="en-US" dirty="0"/>
+              <a:t>An email is 176% more likely to require a response if it is addressed to me specifically</a:t>
+            </a:r>
+          </a:p>
+          <a:p>
+            <a:pPr marL="285750" indent="-285750">
+              <a:buFont typeface="Arial" panose="020B0604020202020204" pitchFamily="34" charset="0"/>
+              <a:buChar char="•"/>
+            </a:pPr>
+            <a:r>
+              <a:rPr lang="en-US" dirty="0"/>
+              <a:t>An email is 183% more likely to require a response if my name is found in the body of the email</a:t>
+            </a:r>
+          </a:p>
+          <a:p>
+            <a:pPr marL="285750" indent="-285750">
+              <a:buFont typeface="Arial" panose="020B0604020202020204" pitchFamily="34" charset="0"/>
+              <a:buChar char="•"/>
+            </a:pPr>
+            <a:endParaRPr lang="en-US" dirty="0"/>
           </a:p>
         </p:txBody>
       </p:sp>
       <p:pic>
         <p:nvPicPr>
-          <p:cNvPr id="4" name="Content Placeholder 3"/>
+          <p:cNvPr id="3" name="Picture 2"/>
           <p:cNvPicPr>
-            <a:picLocks noGrp="1" noChangeAspect="1"/>
+            <a:picLocks noChangeAspect="1"/>
           </p:cNvPicPr>
-          <p:nvPr>
-            <p:ph idx="1"/>
-          </p:nvPr>
+          <p:nvPr/>
         </p:nvPicPr>
         <p:blipFill>
           <a:blip r:embed="rId2"/>
@@ -4030,8 +4079,8 @@
         </p:blipFill>
         <p:spPr>
           <a:xfrm>
-            <a:off x="1371600" y="2571750"/>
-            <a:ext cx="9601200" cy="3638550"/>
+            <a:off x="1496230" y="1357312"/>
+            <a:ext cx="5105400" cy="3059439"/>
           </a:xfrm>
           <a:prstGeom prst="rect">
             <a:avLst/>
@@ -4041,7 +4090,7 @@
     </p:spTree>
     <p:extLst>
       <p:ext uri="{BB962C8B-B14F-4D97-AF65-F5344CB8AC3E}">
-        <p14:creationId xmlns:p14="http://schemas.microsoft.com/office/powerpoint/2010/main" val="2778646156"/>
+        <p14:creationId xmlns:p14="http://schemas.microsoft.com/office/powerpoint/2010/main" val="649227337"/>
       </p:ext>
     </p:extLst>
   </p:cSld>
@@ -4085,6 +4134,84 @@
           <a:p>
             <a:r>
               <a:rPr lang="en-US" dirty="0"/>
+              <a:t>PREDICTIONS</a:t>
+            </a:r>
+          </a:p>
+        </p:txBody>
+      </p:sp>
+      <p:pic>
+        <p:nvPicPr>
+          <p:cNvPr id="4" name="Content Placeholder 3"/>
+          <p:cNvPicPr>
+            <a:picLocks noGrp="1" noChangeAspect="1"/>
+          </p:cNvPicPr>
+          <p:nvPr>
+            <p:ph idx="1"/>
+          </p:nvPr>
+        </p:nvPicPr>
+        <p:blipFill>
+          <a:blip r:embed="rId2"/>
+          <a:stretch>
+            <a:fillRect/>
+          </a:stretch>
+        </p:blipFill>
+        <p:spPr>
+          <a:xfrm>
+            <a:off x="1371600" y="2571750"/>
+            <a:ext cx="9601200" cy="3638550"/>
+          </a:xfrm>
+          <a:prstGeom prst="rect">
+            <a:avLst/>
+          </a:prstGeom>
+        </p:spPr>
+      </p:pic>
+    </p:spTree>
+    <p:extLst>
+      <p:ext uri="{BB962C8B-B14F-4D97-AF65-F5344CB8AC3E}">
+        <p14:creationId xmlns:p14="http://schemas.microsoft.com/office/powerpoint/2010/main" val="2778646156"/>
+      </p:ext>
+    </p:extLst>
+  </p:cSld>
+  <p:clrMapOvr>
+    <a:masterClrMapping/>
+  </p:clrMapOvr>
+</p:sld>
+</file>
+
+<file path=ppt/slides/slide12.xml><?xml version="1.0" encoding="utf-8"?>
+<p:sld xmlns:a="http://schemas.openxmlformats.org/drawingml/2006/main" xmlns:r="http://schemas.openxmlformats.org/officeDocument/2006/relationships" xmlns:p="http://schemas.openxmlformats.org/presentationml/2006/main">
+  <p:cSld>
+    <p:spTree>
+      <p:nvGrpSpPr>
+        <p:cNvPr id="1" name=""/>
+        <p:cNvGrpSpPr/>
+        <p:nvPr/>
+      </p:nvGrpSpPr>
+      <p:grpSpPr>
+        <a:xfrm>
+          <a:off x="0" y="0"/>
+          <a:ext cx="0" cy="0"/>
+          <a:chOff x="0" y="0"/>
+          <a:chExt cx="0" cy="0"/>
+        </a:xfrm>
+      </p:grpSpPr>
+      <p:sp>
+        <p:nvSpPr>
+          <p:cNvPr id="2" name="Title 1"/>
+          <p:cNvSpPr>
+            <a:spLocks noGrp="1"/>
+          </p:cNvSpPr>
+          <p:nvPr>
+            <p:ph type="title"/>
+          </p:nvPr>
+        </p:nvSpPr>
+        <p:spPr/>
+        <p:txBody>
+          <a:bodyPr/>
+          <a:lstStyle/>
+          <a:p>
+            <a:r>
+              <a:rPr lang="en-US" dirty="0"/>
               <a:t>CHALLENGES</a:t>
             </a:r>
           </a:p>
@@ -4140,7 +4267,7 @@
 </p:sld>
 </file>
 
-<file path=ppt/slides/slide12.xml><?xml version="1.0" encoding="utf-8"?>
+<file path=ppt/slides/slide13.xml><?xml version="1.0" encoding="utf-8"?>
 <p:sld xmlns:a="http://schemas.openxmlformats.org/drawingml/2006/main" xmlns:r="http://schemas.openxmlformats.org/officeDocument/2006/relationships" xmlns:p="http://schemas.openxmlformats.org/presentationml/2006/main">
   <p:cSld>
     <p:spTree>
@@ -5071,41 +5198,76 @@
           <a:p>
             <a:r>
               <a:rPr lang="en-US" dirty="0"/>
-              <a:t>BINARY FEATURES</a:t>
-            </a:r>
-          </a:p>
-        </p:txBody>
-      </p:sp>
-      <p:pic>
-        <p:nvPicPr>
-          <p:cNvPr id="4" name="Content Placeholder 3"/>
-          <p:cNvPicPr>
-            <a:picLocks noGrp="1" noChangeAspect="1"/>
-          </p:cNvPicPr>
+              <a:t>What’s New?</a:t>
+            </a:r>
+          </a:p>
+        </p:txBody>
+      </p:sp>
+      <p:sp>
+        <p:nvSpPr>
+          <p:cNvPr id="3" name="Content Placeholder 2"/>
+          <p:cNvSpPr>
+            <a:spLocks noGrp="1"/>
+          </p:cNvSpPr>
           <p:nvPr>
             <p:ph idx="1"/>
           </p:nvPr>
-        </p:nvPicPr>
-        <p:blipFill>
-          <a:blip r:embed="rId2"/>
-          <a:stretch>
-            <a:fillRect/>
-          </a:stretch>
-        </p:blipFill>
-        <p:spPr>
-          <a:xfrm>
-            <a:off x="1404653" y="2286000"/>
-            <a:ext cx="9535094" cy="3581400"/>
-          </a:xfrm>
-          <a:prstGeom prst="rect">
-            <a:avLst/>
-          </a:prstGeom>
-        </p:spPr>
-      </p:pic>
+        </p:nvSpPr>
+        <p:spPr/>
+        <p:txBody>
+          <a:bodyPr/>
+          <a:lstStyle/>
+          <a:p>
+            <a:r>
+              <a:rPr lang="en-US" dirty="0"/>
+              <a:t>Fixed issue with NA and CC field </a:t>
+            </a:r>
+          </a:p>
+          <a:p>
+            <a:r>
+              <a:rPr lang="en-US" dirty="0"/>
+              <a:t>Fixed issue with Proper case vs. all in lower case </a:t>
+            </a:r>
+          </a:p>
+          <a:p>
+            <a:r>
+              <a:rPr lang="en-US" dirty="0"/>
+              <a:t>Added in "</a:t>
+            </a:r>
+            <a:r>
+              <a:rPr lang="en-US" dirty="0" err="1"/>
+              <a:t>To_Counts</a:t>
+            </a:r>
+            <a:r>
+              <a:rPr lang="en-US" dirty="0"/>
+              <a:t>" and created dummy variables </a:t>
+            </a:r>
+          </a:p>
+          <a:p>
+            <a:r>
+              <a:rPr lang="en-US" dirty="0"/>
+              <a:t>Checked for "EOD" and "end of day" </a:t>
+            </a:r>
+          </a:p>
+          <a:p>
+            <a:r>
+              <a:rPr lang="en-US" dirty="0"/>
+              <a:t>Scrapped the "Body Length" feature </a:t>
+            </a:r>
+          </a:p>
+          <a:p>
+            <a:r>
+              <a:rPr lang="en-US" dirty="0"/>
+              <a:t>Dropped where NA's in "To" field - these were meeting invite replies</a:t>
+            </a:r>
+            <a:endParaRPr lang="en-US" dirty="0"/>
+          </a:p>
+        </p:txBody>
+      </p:sp>
     </p:spTree>
     <p:extLst>
       <p:ext uri="{BB962C8B-B14F-4D97-AF65-F5344CB8AC3E}">
-        <p14:creationId xmlns:p14="http://schemas.microsoft.com/office/powerpoint/2010/main" val="2566240004"/>
+        <p14:creationId xmlns:p14="http://schemas.microsoft.com/office/powerpoint/2010/main" val="659664024"/>
       </p:ext>
     </p:extLst>
   </p:cSld>
@@ -5149,7 +5311,7 @@
           <a:p>
             <a:r>
               <a:rPr lang="en-US" dirty="0"/>
-              <a:t>STRONGEST COEFFICIENTS</a:t>
+              <a:t>BINARY FEATURES</a:t>
             </a:r>
           </a:p>
         </p:txBody>
@@ -5172,32 +5334,8 @@
         </p:blipFill>
         <p:spPr>
           <a:xfrm>
-            <a:off x="1371600" y="2171700"/>
-            <a:ext cx="5024266" cy="3581400"/>
-          </a:xfrm>
-          <a:prstGeom prst="rect">
-            <a:avLst/>
-          </a:prstGeom>
-        </p:spPr>
-      </p:pic>
-      <p:pic>
-        <p:nvPicPr>
-          <p:cNvPr id="5" name="Picture 4"/>
-          <p:cNvPicPr>
-            <a:picLocks noChangeAspect="1"/>
-          </p:cNvPicPr>
-          <p:nvPr/>
-        </p:nvPicPr>
-        <p:blipFill>
-          <a:blip r:embed="rId3"/>
-          <a:stretch>
-            <a:fillRect/>
-          </a:stretch>
-        </p:blipFill>
-        <p:spPr>
-          <a:xfrm>
-            <a:off x="6653212" y="2171700"/>
-            <a:ext cx="5365658" cy="3581400"/>
+            <a:off x="1404653" y="2286000"/>
+            <a:ext cx="9535094" cy="3581400"/>
           </a:xfrm>
           <a:prstGeom prst="rect">
             <a:avLst/>
@@ -5207,7 +5345,7 @@
     </p:spTree>
     <p:extLst>
       <p:ext uri="{BB962C8B-B14F-4D97-AF65-F5344CB8AC3E}">
-        <p14:creationId xmlns:p14="http://schemas.microsoft.com/office/powerpoint/2010/main" val="1853550619"/>
+        <p14:creationId xmlns:p14="http://schemas.microsoft.com/office/powerpoint/2010/main" val="2566240004"/>
       </p:ext>
     </p:extLst>
   </p:cSld>
@@ -5251,68 +5389,20 @@
           <a:p>
             <a:r>
               <a:rPr lang="en-US" dirty="0"/>
-              <a:t>MODEL COEFFICIENTS</a:t>
-            </a:r>
-          </a:p>
-        </p:txBody>
-      </p:sp>
-      <p:sp>
-        <p:nvSpPr>
-          <p:cNvPr id="5" name="TextBox 4"/>
-          <p:cNvSpPr txBox="1"/>
-          <p:nvPr/>
-        </p:nvSpPr>
-        <p:spPr>
-          <a:xfrm>
-            <a:off x="1496230" y="4714875"/>
-            <a:ext cx="9476570" cy="1200329"/>
-          </a:xfrm>
-          <a:prstGeom prst="rect">
-            <a:avLst/>
-          </a:prstGeom>
-          <a:noFill/>
-        </p:spPr>
-        <p:txBody>
-          <a:bodyPr wrap="square" rtlCol="0">
-            <a:spAutoFit/>
-          </a:bodyPr>
-          <a:lstStyle/>
-          <a:p>
-            <a:pPr marL="285750" indent="-285750">
-              <a:buFont typeface="Arial" panose="020B0604020202020204" pitchFamily="34" charset="0"/>
-              <a:buChar char="•"/>
-            </a:pPr>
-            <a:r>
-              <a:rPr lang="en-US" dirty="0"/>
-              <a:t>An email is 176% more likely to require a response if it is addressed to me specifically</a:t>
-            </a:r>
-          </a:p>
-          <a:p>
-            <a:pPr marL="285750" indent="-285750">
-              <a:buFont typeface="Arial" panose="020B0604020202020204" pitchFamily="34" charset="0"/>
-              <a:buChar char="•"/>
-            </a:pPr>
-            <a:r>
-              <a:rPr lang="en-US" dirty="0"/>
-              <a:t>An email is 183% more likely to require a response if my name is found in the body of the email</a:t>
-            </a:r>
-          </a:p>
-          <a:p>
-            <a:pPr marL="285750" indent="-285750">
-              <a:buFont typeface="Arial" panose="020B0604020202020204" pitchFamily="34" charset="0"/>
-              <a:buChar char="•"/>
-            </a:pPr>
-            <a:endParaRPr lang="en-US" dirty="0"/>
+              <a:t>STRONGEST COEFFICIENTS</a:t>
+            </a:r>
           </a:p>
         </p:txBody>
       </p:sp>
       <p:pic>
         <p:nvPicPr>
-          <p:cNvPr id="3" name="Picture 2"/>
+          <p:cNvPr id="4" name="Content Placeholder 3"/>
           <p:cNvPicPr>
-            <a:picLocks noChangeAspect="1"/>
+            <a:picLocks noGrp="1" noChangeAspect="1"/>
           </p:cNvPicPr>
-          <p:nvPr/>
+          <p:nvPr>
+            <p:ph idx="1"/>
+          </p:nvPr>
         </p:nvPicPr>
         <p:blipFill>
           <a:blip r:embed="rId2"/>
@@ -5322,8 +5412,32 @@
         </p:blipFill>
         <p:spPr>
           <a:xfrm>
-            <a:off x="1496230" y="1357312"/>
-            <a:ext cx="5105400" cy="3059439"/>
+            <a:off x="1371600" y="2171700"/>
+            <a:ext cx="5024266" cy="3581400"/>
+          </a:xfrm>
+          <a:prstGeom prst="rect">
+            <a:avLst/>
+          </a:prstGeom>
+        </p:spPr>
+      </p:pic>
+      <p:pic>
+        <p:nvPicPr>
+          <p:cNvPr id="5" name="Picture 4"/>
+          <p:cNvPicPr>
+            <a:picLocks noChangeAspect="1"/>
+          </p:cNvPicPr>
+          <p:nvPr/>
+        </p:nvPicPr>
+        <p:blipFill>
+          <a:blip r:embed="rId3"/>
+          <a:stretch>
+            <a:fillRect/>
+          </a:stretch>
+        </p:blipFill>
+        <p:spPr>
+          <a:xfrm>
+            <a:off x="6653212" y="2171700"/>
+            <a:ext cx="5365658" cy="3581400"/>
           </a:xfrm>
           <a:prstGeom prst="rect">
             <a:avLst/>
@@ -5333,7 +5447,7 @@
     </p:spTree>
     <p:extLst>
       <p:ext uri="{BB962C8B-B14F-4D97-AF65-F5344CB8AC3E}">
-        <p14:creationId xmlns:p14="http://schemas.microsoft.com/office/powerpoint/2010/main" val="649227337"/>
+        <p14:creationId xmlns:p14="http://schemas.microsoft.com/office/powerpoint/2010/main" val="1853550619"/>
       </p:ext>
     </p:extLst>
   </p:cSld>
